--- a/Apresentação1.pptx
+++ b/Apresentação1.pptx
@@ -9,7 +9,9 @@
     <p:sldId id="257" r:id="rId3"/>
     <p:sldId id="258" r:id="rId4"/>
     <p:sldId id="259" r:id="rId5"/>
-    <p:sldId id="260" r:id="rId6"/>
+    <p:sldId id="261" r:id="rId6"/>
+    <p:sldId id="262" r:id="rId7"/>
+    <p:sldId id="260" r:id="rId8"/>
   </p:sldIdLst>
   <p:sldSz cx="9144000" cy="6858000" type="screen4x3"/>
   <p:notesSz cx="6858000" cy="9144000"/>
@@ -737,7 +739,7 @@
             <a:fld id="{45E3D890-2B82-4315-A9A5-29874387A9B7}" type="datetimeFigureOut">
               <a:rPr lang="pt-BR" smtClean="0"/>
               <a:pPr/>
-              <a:t>26/09/2023</a:t>
+              <a:t>27/09/2023</a:t>
             </a:fld>
             <a:endParaRPr lang="pt-BR"/>
           </a:p>
@@ -935,7 +937,7 @@
             <a:fld id="{45E3D890-2B82-4315-A9A5-29874387A9B7}" type="datetimeFigureOut">
               <a:rPr lang="pt-BR" smtClean="0"/>
               <a:pPr/>
-              <a:t>26/09/2023</a:t>
+              <a:t>27/09/2023</a:t>
             </a:fld>
             <a:endParaRPr lang="pt-BR"/>
           </a:p>
@@ -1122,7 +1124,7 @@
             <a:fld id="{45E3D890-2B82-4315-A9A5-29874387A9B7}" type="datetimeFigureOut">
               <a:rPr lang="pt-BR" smtClean="0"/>
               <a:pPr/>
-              <a:t>26/09/2023</a:t>
+              <a:t>27/09/2023</a:t>
             </a:fld>
             <a:endParaRPr lang="pt-BR"/>
           </a:p>
@@ -1274,7 +1276,7 @@
             <a:fld id="{45E3D890-2B82-4315-A9A5-29874387A9B7}" type="datetimeFigureOut">
               <a:rPr lang="pt-BR" smtClean="0"/>
               <a:pPr/>
-              <a:t>26/09/2023</a:t>
+              <a:t>27/09/2023</a:t>
             </a:fld>
             <a:endParaRPr lang="pt-BR"/>
           </a:p>
@@ -1531,7 +1533,7 @@
             <a:fld id="{45E3D890-2B82-4315-A9A5-29874387A9B7}" type="datetimeFigureOut">
               <a:rPr lang="pt-BR" smtClean="0"/>
               <a:pPr/>
-              <a:t>26/09/2023</a:t>
+              <a:t>27/09/2023</a:t>
             </a:fld>
             <a:endParaRPr lang="pt-BR"/>
           </a:p>
@@ -1942,7 +1944,7 @@
             <a:fld id="{45E3D890-2B82-4315-A9A5-29874387A9B7}" type="datetimeFigureOut">
               <a:rPr lang="pt-BR" smtClean="0"/>
               <a:pPr/>
-              <a:t>26/09/2023</a:t>
+              <a:t>27/09/2023</a:t>
             </a:fld>
             <a:endParaRPr lang="pt-BR"/>
           </a:p>
@@ -2390,7 +2392,7 @@
             <a:fld id="{45E3D890-2B82-4315-A9A5-29874387A9B7}" type="datetimeFigureOut">
               <a:rPr lang="pt-BR" smtClean="0"/>
               <a:pPr/>
-              <a:t>26/09/2023</a:t>
+              <a:t>27/09/2023</a:t>
             </a:fld>
             <a:endParaRPr lang="pt-BR"/>
           </a:p>
@@ -2493,7 +2495,7 @@
             <a:fld id="{45E3D890-2B82-4315-A9A5-29874387A9B7}" type="datetimeFigureOut">
               <a:rPr lang="pt-BR" smtClean="0"/>
               <a:pPr/>
-              <a:t>26/09/2023</a:t>
+              <a:t>27/09/2023</a:t>
             </a:fld>
             <a:endParaRPr lang="pt-BR"/>
           </a:p>
@@ -2616,7 +2618,7 @@
             <a:fld id="{45E3D890-2B82-4315-A9A5-29874387A9B7}" type="datetimeFigureOut">
               <a:rPr lang="pt-BR" smtClean="0"/>
               <a:pPr/>
-              <a:t>26/09/2023</a:t>
+              <a:t>27/09/2023</a:t>
             </a:fld>
             <a:endParaRPr lang="pt-BR"/>
           </a:p>
@@ -2892,7 +2894,7 @@
             <a:fld id="{45E3D890-2B82-4315-A9A5-29874387A9B7}" type="datetimeFigureOut">
               <a:rPr lang="pt-BR" smtClean="0"/>
               <a:pPr/>
-              <a:t>26/09/2023</a:t>
+              <a:t>27/09/2023</a:t>
             </a:fld>
             <a:endParaRPr lang="pt-BR"/>
           </a:p>
@@ -3099,7 +3101,7 @@
             <a:fld id="{45E3D890-2B82-4315-A9A5-29874387A9B7}" type="datetimeFigureOut">
               <a:rPr lang="pt-BR" smtClean="0"/>
               <a:pPr/>
-              <a:t>26/09/2023</a:t>
+              <a:t>27/09/2023</a:t>
             </a:fld>
             <a:endParaRPr lang="pt-BR"/>
           </a:p>
@@ -4210,7 +4212,7 @@
             <a:fld id="{45E3D890-2B82-4315-A9A5-29874387A9B7}" type="datetimeFigureOut">
               <a:rPr lang="pt-BR" smtClean="0"/>
               <a:pPr/>
-              <a:t>26/09/2023</a:t>
+              <a:t>27/09/2023</a:t>
             </a:fld>
             <a:endParaRPr lang="pt-BR"/>
           </a:p>
@@ -4773,15 +4775,7 @@
             <a:pPr lvl="1"/>
             <a:r>
               <a:rPr lang="pt-BR" dirty="0" smtClean="0"/>
-              <a:t>Gerenciar </a:t>
-            </a:r>
-            <a:r>
-              <a:rPr lang="pt-BR" dirty="0" smtClean="0"/>
-              <a:t>da </a:t>
-            </a:r>
-            <a:r>
-              <a:rPr lang="pt-BR" dirty="0" smtClean="0"/>
-              <a:t>operação de entrada e saída de veículos no estacionamento</a:t>
+              <a:t>Gerenciar da operação de entrada e saída de veículos no estacionamento</a:t>
             </a:r>
           </a:p>
           <a:p>
@@ -4804,13 +4798,8 @@
             <a:pPr lvl="1"/>
             <a:r>
               <a:rPr lang="pt-BR" dirty="0" smtClean="0"/>
-              <a:t>Atender pequenos e médios estabelecimentos de </a:t>
-            </a:r>
-            <a:r>
-              <a:rPr lang="pt-BR" dirty="0" smtClean="0"/>
-              <a:t>estacionamento</a:t>
-            </a:r>
-            <a:endParaRPr lang="pt-BR" dirty="0" smtClean="0"/>
+              <a:t>Atender pequenos e médios estabelecimentos de estacionamento</a:t>
+            </a:r>
           </a:p>
           <a:p>
             <a:pPr lvl="1"/>
@@ -4826,21 +4815,8 @@
             <a:pPr lvl="1"/>
             <a:r>
               <a:rPr lang="pt-BR" dirty="0" smtClean="0"/>
-              <a:t>Gerenciamento </a:t>
-            </a:r>
-            <a:r>
-              <a:rPr lang="pt-BR" dirty="0" smtClean="0"/>
-              <a:t>operacional </a:t>
-            </a:r>
-            <a:r>
-              <a:rPr lang="pt-BR" dirty="0" smtClean="0"/>
-              <a:t>e financeiro de </a:t>
-            </a:r>
-            <a:r>
-              <a:rPr lang="pt-BR" dirty="0" smtClean="0"/>
-              <a:t>forma manual</a:t>
-            </a:r>
-            <a:endParaRPr lang="pt-BR" dirty="0" smtClean="0"/>
+              <a:t>Gerenciamento operacional e financeiro de forma manual</a:t>
+            </a:r>
           </a:p>
           <a:p>
             <a:pPr lvl="1">
@@ -5362,6 +5338,234 @@
             <p:ph type="title"/>
           </p:nvPr>
         </p:nvSpPr>
+        <p:spPr/>
+        <p:txBody>
+          <a:bodyPr/>
+          <a:lstStyle/>
+          <a:p>
+            <a:r>
+              <a:rPr lang="pt-BR" dirty="0" smtClean="0"/>
+              <a:t>Arquitetura do sistema</a:t>
+            </a:r>
+            <a:endParaRPr lang="pt-BR" dirty="0"/>
+          </a:p>
+        </p:txBody>
+      </p:sp>
+      <p:pic>
+        <p:nvPicPr>
+          <p:cNvPr id="1026" name="Picture 2"/>
+          <p:cNvPicPr>
+            <a:picLocks noGrp="1" noChangeAspect="1" noChangeArrowheads="1"/>
+          </p:cNvPicPr>
+          <p:nvPr>
+            <p:ph idx="1"/>
+          </p:nvPr>
+        </p:nvPicPr>
+        <p:blipFill>
+          <a:blip r:embed="rId2"/>
+          <a:srcRect/>
+          <a:stretch>
+            <a:fillRect/>
+          </a:stretch>
+        </p:blipFill>
+        <p:spPr bwMode="auto">
+          <a:xfrm>
+            <a:off x="457200" y="1894979"/>
+            <a:ext cx="8229600" cy="3698279"/>
+          </a:xfrm>
+          <a:prstGeom prst="rect">
+            <a:avLst/>
+          </a:prstGeom>
+          <a:noFill/>
+          <a:ln w="9525">
+            <a:noFill/>
+            <a:miter lim="800000"/>
+            <a:headEnd/>
+            <a:tailEnd/>
+          </a:ln>
+          <a:effectLst/>
+        </p:spPr>
+      </p:pic>
+    </p:spTree>
+  </p:cSld>
+  <p:clrMapOvr>
+    <a:masterClrMapping/>
+  </p:clrMapOvr>
+  <p:timing>
+    <p:tnLst>
+      <p:par>
+        <p:cTn id="1" dur="indefinite" restart="never" nodeType="tmRoot"/>
+      </p:par>
+    </p:tnLst>
+  </p:timing>
+</p:sld>
+</file>
+
+<file path=ppt/slides/slide6.xml><?xml version="1.0" encoding="utf-8"?>
+<p:sld xmlns:a="http://schemas.openxmlformats.org/drawingml/2006/main" xmlns:r="http://schemas.openxmlformats.org/officeDocument/2006/relationships" xmlns:p="http://schemas.openxmlformats.org/presentationml/2006/main">
+  <p:cSld>
+    <p:spTree>
+      <p:nvGrpSpPr>
+        <p:cNvPr id="1" name=""/>
+        <p:cNvGrpSpPr/>
+        <p:nvPr/>
+      </p:nvGrpSpPr>
+      <p:grpSpPr>
+        <a:xfrm>
+          <a:off x="0" y="0"/>
+          <a:ext cx="0" cy="0"/>
+          <a:chOff x="0" y="0"/>
+          <a:chExt cx="0" cy="0"/>
+        </a:xfrm>
+      </p:grpSpPr>
+      <p:sp>
+        <p:nvSpPr>
+          <p:cNvPr id="3" name="Título 2"/>
+          <p:cNvSpPr>
+            <a:spLocks noGrp="1"/>
+          </p:cNvSpPr>
+          <p:nvPr>
+            <p:ph type="title"/>
+          </p:nvPr>
+        </p:nvSpPr>
+        <p:spPr/>
+        <p:txBody>
+          <a:bodyPr/>
+          <a:lstStyle/>
+          <a:p>
+            <a:r>
+              <a:rPr lang="pt-BR" dirty="0" err="1" smtClean="0"/>
+              <a:t>Component</a:t>
+            </a:r>
+            <a:r>
+              <a:rPr lang="pt-BR" dirty="0" smtClean="0"/>
+              <a:t> B – API Externa</a:t>
+            </a:r>
+            <a:endParaRPr lang="pt-BR" dirty="0"/>
+          </a:p>
+        </p:txBody>
+      </p:sp>
+      <p:pic>
+        <p:nvPicPr>
+          <p:cNvPr id="1026" name="Picture 2"/>
+          <p:cNvPicPr>
+            <a:picLocks noGrp="1" noChangeAspect="1" noChangeArrowheads="1"/>
+          </p:cNvPicPr>
+          <p:nvPr>
+            <p:ph idx="1"/>
+          </p:nvPr>
+        </p:nvPicPr>
+        <p:blipFill>
+          <a:blip r:embed="rId2"/>
+          <a:srcRect/>
+          <a:stretch>
+            <a:fillRect/>
+          </a:stretch>
+        </p:blipFill>
+        <p:spPr bwMode="auto">
+          <a:xfrm>
+            <a:off x="457200" y="1837288"/>
+            <a:ext cx="7615262" cy="4148314"/>
+          </a:xfrm>
+          <a:prstGeom prst="rect">
+            <a:avLst/>
+          </a:prstGeom>
+          <a:noFill/>
+          <a:ln w="9525">
+            <a:noFill/>
+            <a:miter lim="800000"/>
+            <a:headEnd/>
+            <a:tailEnd/>
+          </a:ln>
+          <a:effectLst/>
+        </p:spPr>
+      </p:pic>
+      <p:sp>
+        <p:nvSpPr>
+          <p:cNvPr id="5" name="CaixaDeTexto 4"/>
+          <p:cNvSpPr txBox="1"/>
+          <p:nvPr/>
+        </p:nvSpPr>
+        <p:spPr>
+          <a:xfrm>
+            <a:off x="428596" y="1357298"/>
+            <a:ext cx="5000660" cy="369332"/>
+          </a:xfrm>
+          <a:prstGeom prst="rect">
+            <a:avLst/>
+          </a:prstGeom>
+          <a:noFill/>
+        </p:spPr>
+        <p:txBody>
+          <a:bodyPr wrap="square" rtlCol="0">
+            <a:spAutoFit/>
+          </a:bodyPr>
+          <a:lstStyle/>
+          <a:p>
+            <a:r>
+              <a:rPr lang="pt-BR" dirty="0" err="1" smtClean="0">
+                <a:hlinkClick r:id="rId3"/>
+              </a:rPr>
+              <a:t>Weather</a:t>
+            </a:r>
+            <a:r>
+              <a:rPr lang="pt-BR" dirty="0" smtClean="0">
+                <a:hlinkClick r:id="rId3"/>
+              </a:rPr>
+              <a:t> API - </a:t>
+            </a:r>
+            <a:r>
+              <a:rPr lang="pt-BR" dirty="0" err="1" smtClean="0">
+                <a:hlinkClick r:id="rId3"/>
+              </a:rPr>
+              <a:t>OpenWeatherMap</a:t>
+            </a:r>
+            <a:endParaRPr lang="pt-BR" dirty="0"/>
+          </a:p>
+        </p:txBody>
+      </p:sp>
+    </p:spTree>
+  </p:cSld>
+  <p:clrMapOvr>
+    <a:masterClrMapping/>
+  </p:clrMapOvr>
+  <p:timing>
+    <p:tnLst>
+      <p:par>
+        <p:cTn id="1" dur="indefinite" restart="never" nodeType="tmRoot"/>
+      </p:par>
+    </p:tnLst>
+  </p:timing>
+</p:sld>
+</file>
+
+<file path=ppt/slides/slide7.xml><?xml version="1.0" encoding="utf-8"?>
+<p:sld xmlns:a="http://schemas.openxmlformats.org/drawingml/2006/main" xmlns:r="http://schemas.openxmlformats.org/officeDocument/2006/relationships" xmlns:p="http://schemas.openxmlformats.org/presentationml/2006/main">
+  <p:cSld>
+    <p:spTree>
+      <p:nvGrpSpPr>
+        <p:cNvPr id="1" name=""/>
+        <p:cNvGrpSpPr/>
+        <p:nvPr/>
+      </p:nvGrpSpPr>
+      <p:grpSpPr>
+        <a:xfrm>
+          <a:off x="0" y="0"/>
+          <a:ext cx="0" cy="0"/>
+          <a:chOff x="0" y="0"/>
+          <a:chExt cx="0" cy="0"/>
+        </a:xfrm>
+      </p:grpSpPr>
+      <p:sp>
+        <p:nvSpPr>
+          <p:cNvPr id="3" name="Título 2"/>
+          <p:cNvSpPr>
+            <a:spLocks noGrp="1"/>
+          </p:cNvSpPr>
+          <p:nvPr>
+            <p:ph type="title"/>
+          </p:nvPr>
+        </p:nvSpPr>
         <p:spPr>
           <a:xfrm>
             <a:off x="428596" y="2571744"/>
@@ -5386,6 +5590,13 @@
   <p:clrMapOvr>
     <a:masterClrMapping/>
   </p:clrMapOvr>
+  <p:timing>
+    <p:tnLst>
+      <p:par>
+        <p:cTn id="1" dur="indefinite" restart="never" nodeType="tmRoot"/>
+      </p:par>
+    </p:tnLst>
+  </p:timing>
 </p:sld>
 </file>
 
